--- a/units/8/lessons/2/resources/petascale-lesson-8.2-slides.pptx
+++ b/units/8/lessons/2/resources/petascale-lesson-8.2-slides.pptx
@@ -11,7 +11,7 @@
   </p:notesMasterIdLst>
   <p:sldIdLst>
     <p:sldId id="265" r:id="rId4"/>
-    <p:sldId id="266" r:id="rId5"/>
+    <p:sldId id="267" r:id="rId5"/>
     <p:sldId id="256" r:id="rId6"/>
     <p:sldId id="257" r:id="rId7"/>
     <p:sldId id="258" r:id="rId8"/>
@@ -253,6 +253,11 @@
       </a:defRPr>
     </a:lvl9pPr>
   </p:defaultTextStyle>
+  <p:extLst>
+    <p:ext uri="{EFAFB233-063F-42B5-8137-9DF3F51BA10A}">
+      <p15:sldGuideLst xmlns:p15="http://schemas.microsoft.com/office/powerpoint/2012/main"/>
+    </p:ext>
+  </p:extLst>
 </p:presentation>
 </file>
 
@@ -22635,15 +22640,7 @@
                 <a:ea typeface="Times New Roman" charset="0"/>
                 <a:cs typeface="Times New Roman" charset="0"/>
               </a:rPr>
-              <a:t>Blue Waters Petascale</a:t>
-            </a:r>
-            <a:r>
-              <a:rPr lang="en-US" sz="2700" b="1" dirty="0">
-                <a:latin typeface="Times New Roman" charset="0"/>
-                <a:ea typeface="Times New Roman" charset="0"/>
-                <a:cs typeface="Times New Roman" charset="0"/>
-              </a:rPr>
-              <a:t> Semester Curriculum v1.0</a:t>
+              <a:t>Blue Waters Petascale Semester Curriculum v1.0</a:t>
             </a:r>
             <a:r>
               <a:rPr lang="en-US" sz="2700" dirty="0">
@@ -24166,7 +24163,7 @@
         </p:nvSpPr>
         <p:spPr>
           <a:xfrm>
-            <a:off x="566059" y="0"/>
+            <a:off x="566057" y="0"/>
             <a:ext cx="8011886" cy="5143500"/>
           </a:xfrm>
         </p:spPr>
@@ -24213,7 +24210,23 @@
                 <a:ea typeface="Times New Roman" charset="0"/>
                 <a:cs typeface="Times New Roman" charset="0"/>
               </a:rPr>
-              <a:t>CC BY-NC 4.0. To view a copy of this license, visit </a:t>
+              <a:t>CC </a:t>
+            </a:r>
+            <a:r>
+              <a:rPr lang="en-US" sz="2100" dirty="0" smtClean="0">
+                <a:latin typeface="Times New Roman" charset="0"/>
+                <a:ea typeface="Times New Roman" charset="0"/>
+                <a:cs typeface="Times New Roman" charset="0"/>
+              </a:rPr>
+              <a:t>BY-SA </a:t>
+            </a:r>
+            <a:r>
+              <a:rPr lang="en-US" sz="2100" dirty="0">
+                <a:latin typeface="Times New Roman" charset="0"/>
+                <a:ea typeface="Times New Roman" charset="0"/>
+                <a:cs typeface="Times New Roman" charset="0"/>
+              </a:rPr>
+              <a:t>4.0. To view a copy of this license, visit </a:t>
             </a:r>
             <a:r>
               <a:rPr lang="en-US" sz="2100" dirty="0">
@@ -24222,7 +24235,16 @@
                 <a:cs typeface="Times New Roman" charset="0"/>
                 <a:hlinkClick r:id="rId2"/>
               </a:rPr>
-              <a:t>https://creativecommons.org/licenses/by-nc/4.0</a:t>
+              <a:t>https://</a:t>
+            </a:r>
+            <a:r>
+              <a:rPr lang="en-US" sz="2100" dirty="0" smtClean="0">
+                <a:latin typeface="Times New Roman" charset="0"/>
+                <a:ea typeface="Times New Roman" charset="0"/>
+                <a:cs typeface="Times New Roman" charset="0"/>
+                <a:hlinkClick r:id="rId2"/>
+              </a:rPr>
+              <a:t>creativecommons.org/licenses/by-sa/4.0</a:t>
             </a:r>
             <a:r>
               <a:rPr lang="en-US" sz="2100" dirty="0">
@@ -24376,20 +24398,13 @@
     </p:spTree>
     <p:extLst>
       <p:ext uri="{BB962C8B-B14F-4D97-AF65-F5344CB8AC3E}">
-        <p14:creationId xmlns:p14="http://schemas.microsoft.com/office/powerpoint/2010/main" val="166564846"/>
+        <p14:creationId xmlns:p14="http://schemas.microsoft.com/office/powerpoint/2010/main" val="907036655"/>
       </p:ext>
     </p:extLst>
   </p:cSld>
   <p:clrMapOvr>
     <a:masterClrMapping/>
   </p:clrMapOvr>
-  <p:timing>
-    <p:tnLst>
-      <p:par>
-        <p:cTn id="1" dur="indefinite" restart="never" nodeType="tmRoot"/>
-      </p:par>
-    </p:tnLst>
-  </p:timing>
 </p:sld>
 </file>
 

--- a/units/8/lessons/2/resources/petascale-lesson-8.2-slides.pptx
+++ b/units/8/lessons/2/resources/petascale-lesson-8.2-slides.pptx
@@ -1633,8 +1633,8 @@
         </p:nvSpPr>
         <p:spPr>
           <a:xfrm>
-            <a:off x="508400" y="514350"/>
-            <a:ext cx="8127900" cy="2571900"/>
+            <a:off x="2286000" y="514350"/>
+            <a:ext cx="4572000" cy="2571750"/>
           </a:xfrm>
           <a:custGeom>
             <a:avLst/>
@@ -1701,15 +1701,15 @@
               <a:buNone/>
             </a:pPr>
             <a:r>
-              <a:rPr lang="en-US">
+              <a:rPr lang="en-US" dirty="0">
                 <a:latin typeface="Times New Roman"/>
                 <a:ea typeface="Times New Roman"/>
                 <a:cs typeface="Times New Roman"/>
                 <a:sym typeface="Times New Roman"/>
               </a:rPr>
-              <a:t>Before the lecture is started, its always good idea to get started with getting into the system and requesting resource needed for examples and exercises. Sometimes the queue can take a while, so request for enough time that will get you through the examples and exercies.</a:t>
+              <a:t>Before the lecture is started, its always good idea to get started with getting into the system and requesting resource needed for examples and exercises. Sometimes the queue can take a while, so request for enough time that will get you through the examples and exercises.</a:t>
             </a:r>
-            <a:endParaRPr>
+            <a:endParaRPr dirty="0">
               <a:latin typeface="Times New Roman"/>
               <a:ea typeface="Times New Roman"/>
               <a:cs typeface="Times New Roman"/>
@@ -2192,7 +2192,7 @@
         <p:spPr>
           <a:xfrm>
             <a:off x="2286000" y="514350"/>
-            <a:ext cx="4572000" cy="2571600"/>
+            <a:ext cx="4572000" cy="2571750"/>
           </a:xfrm>
           <a:custGeom>
             <a:avLst/>
@@ -2258,7 +2258,7 @@
               <a:buNone/>
             </a:pPr>
             <a:r>
-              <a:rPr lang="en-US" sz="1050">
+              <a:rPr lang="en-US" sz="1050" dirty="0" err="1">
                 <a:solidFill>
                   <a:schemeClr val="dk1"/>
                 </a:solidFill>
@@ -2267,9 +2267,45 @@
                 <a:cs typeface="Times New Roman"/>
                 <a:sym typeface="Times New Roman"/>
               </a:rPr>
-              <a:t>OpenACC emerged in 2011 as a programming model that uses high-level compiler directives to expose parallelism in the code and parallelizing compilers to build the code for a variety of parallel accelerators. You add OpenACC to C/C++ code in form of #pragmas and in Fortran as comments that gives the compiler additional information on how to the code should be compiled.</a:t>
+              <a:t>OpenACC</a:t>
             </a:r>
-            <a:endParaRPr sz="1050">
+            <a:r>
+              <a:rPr lang="en-US" sz="1050" dirty="0">
+                <a:solidFill>
+                  <a:schemeClr val="dk1"/>
+                </a:solidFill>
+                <a:latin typeface="Times New Roman"/>
+                <a:ea typeface="Times New Roman"/>
+                <a:cs typeface="Times New Roman"/>
+                <a:sym typeface="Times New Roman"/>
+              </a:rPr>
+              <a:t> emerged in 2011 as a programming model that uses high-level compiler directives to expose parallelism in the code and parallelizing compilers to build the code for a variety of parallel accelerators. You add </a:t>
+            </a:r>
+            <a:r>
+              <a:rPr lang="en-US" sz="1050" dirty="0" err="1">
+                <a:solidFill>
+                  <a:schemeClr val="dk1"/>
+                </a:solidFill>
+                <a:latin typeface="Times New Roman"/>
+                <a:ea typeface="Times New Roman"/>
+                <a:cs typeface="Times New Roman"/>
+                <a:sym typeface="Times New Roman"/>
+              </a:rPr>
+              <a:t>OpenACC</a:t>
+            </a:r>
+            <a:r>
+              <a:rPr lang="en-US" sz="1050" dirty="0">
+                <a:solidFill>
+                  <a:schemeClr val="dk1"/>
+                </a:solidFill>
+                <a:latin typeface="Times New Roman"/>
+                <a:ea typeface="Times New Roman"/>
+                <a:cs typeface="Times New Roman"/>
+                <a:sym typeface="Times New Roman"/>
+              </a:rPr>
+              <a:t> to C/C++ code in form of #pragmas and in Fortran as comments that gives the compiler additional information on how to the code should be compiled.</a:t>
+            </a:r>
+            <a:endParaRPr sz="1050" dirty="0">
               <a:solidFill>
                 <a:schemeClr val="dk1"/>
               </a:solidFill>
@@ -2293,14 +2329,30 @@
               <a:buNone/>
             </a:pPr>
             <a:r>
-              <a:rPr lang="en-US" sz="850">
+              <a:rPr lang="en-US" sz="850" dirty="0">
                 <a:solidFill>
                   <a:schemeClr val="dk1"/>
                 </a:solidFill>
               </a:rPr>
-              <a:t>CPU and GPU has its own memory, so data need to exist in both places and need to be managed correctly. We don’t have to manage two copies of same vectors data, we instead we can have OpenACC manage that for us.</a:t>
+              <a:t>CPU and GPU has its own memory, so data need to exist in both places and need to be managed correctly. We don’t have to manage two copies of same vectors data, we instead we can have </a:t>
             </a:r>
-            <a:endParaRPr sz="850">
+            <a:r>
+              <a:rPr lang="en-US" sz="850" dirty="0" err="1">
+                <a:solidFill>
+                  <a:schemeClr val="dk1"/>
+                </a:solidFill>
+              </a:rPr>
+              <a:t>OpenACC</a:t>
+            </a:r>
+            <a:r>
+              <a:rPr lang="en-US" sz="850" dirty="0">
+                <a:solidFill>
+                  <a:schemeClr val="dk1"/>
+                </a:solidFill>
+              </a:rPr>
+              <a:t> manage that for us.</a:t>
+            </a:r>
+            <a:endParaRPr sz="850" dirty="0">
               <a:solidFill>
                 <a:schemeClr val="dk1"/>
               </a:solidFill>
@@ -2320,14 +2372,14 @@
               <a:buNone/>
             </a:pPr>
             <a:r>
-              <a:rPr lang="en-US" sz="850">
+              <a:rPr lang="en-US" sz="850" dirty="0">
                 <a:solidFill>
                   <a:schemeClr val="dk1"/>
                 </a:solidFill>
               </a:rPr>
               <a:t>The most important part of this pseudocode is the #pragma acc parallel which actually initiates the parallel region and creates a group of threads for parallel execution.</a:t>
             </a:r>
-            <a:endParaRPr sz="850">
+            <a:endParaRPr sz="850" dirty="0">
               <a:solidFill>
                 <a:schemeClr val="dk1"/>
               </a:solidFill>
@@ -2347,14 +2399,30 @@
               <a:buNone/>
             </a:pPr>
             <a:r>
-              <a:rPr lang="en-US" sz="850">
+              <a:rPr lang="en-US" sz="850" dirty="0">
                 <a:solidFill>
                   <a:schemeClr val="dk1"/>
                 </a:solidFill>
               </a:rPr>
-              <a:t>You don’t have to tell the compiler how to divide the loop iterations, it will will do it automatically based on what it knows about the system architecture. </a:t>
+              <a:t>You don’t have to tell the compiler how to divide the loop iterations, it will </a:t>
             </a:r>
-            <a:endParaRPr sz="850">
+            <a:r>
+              <a:rPr lang="en-US" sz="850" dirty="0" err="1">
+                <a:solidFill>
+                  <a:schemeClr val="dk1"/>
+                </a:solidFill>
+              </a:rPr>
+              <a:t>will</a:t>
+            </a:r>
+            <a:r>
+              <a:rPr lang="en-US" sz="850" dirty="0">
+                <a:solidFill>
+                  <a:schemeClr val="dk1"/>
+                </a:solidFill>
+              </a:rPr>
+              <a:t> do it automatically based on what it knows about the system architecture. </a:t>
+            </a:r>
+            <a:endParaRPr sz="850" dirty="0">
               <a:solidFill>
                 <a:schemeClr val="dk1"/>
               </a:solidFill>
@@ -2374,14 +2442,14 @@
               <a:buNone/>
             </a:pPr>
             <a:r>
-              <a:rPr lang="en-US" sz="850">
+              <a:rPr lang="en-US" sz="850" dirty="0">
                 <a:solidFill>
                   <a:schemeClr val="dk1"/>
                 </a:solidFill>
               </a:rPr>
-              <a:t>These directives dont have to be added all together, we can just add them incrementally as we test for performance and program correctness. </a:t>
+              <a:t>These directives don’t have to be added all together, we can just add them incrementally as we test for performance and program correctness. </a:t>
             </a:r>
-            <a:endParaRPr sz="850">
+            <a:endParaRPr sz="850" dirty="0">
               <a:solidFill>
                 <a:schemeClr val="dk1"/>
               </a:solidFill>
@@ -2401,14 +2469,14 @@
               <a:buNone/>
             </a:pPr>
             <a:r>
-              <a:rPr lang="en-US" sz="850">
+              <a:rPr lang="en-US" sz="850" dirty="0">
                 <a:solidFill>
                   <a:schemeClr val="dk1"/>
                 </a:solidFill>
               </a:rPr>
               <a:t>Same code could be run on many different architecture without any change, except for recompiling and specifying the target compiler flags</a:t>
             </a:r>
-            <a:endParaRPr sz="850">
+            <a:endParaRPr sz="850" dirty="0">
               <a:solidFill>
                 <a:schemeClr val="dk1"/>
               </a:solidFill>
@@ -2432,7 +2500,7 @@
               <a:buFont typeface="Arial"/>
               <a:buNone/>
             </a:pPr>
-            <a:endParaRPr sz="850">
+            <a:endParaRPr sz="850" dirty="0">
               <a:solidFill>
                 <a:schemeClr val="dk1"/>
               </a:solidFill>
@@ -2448,7 +2516,7 @@
               </a:spcAft>
               <a:buNone/>
             </a:pPr>
-            <a:endParaRPr sz="1500"/>
+            <a:endParaRPr sz="1500" dirty="0"/>
           </a:p>
         </p:txBody>
       </p:sp>
@@ -22642,14 +22710,6 @@
               </a:rPr>
               <a:t>Blue Waters Petascale Semester Curriculum v1.0</a:t>
             </a:r>
-            <a:r>
-              <a:rPr lang="en-US" sz="2700" dirty="0">
-                <a:latin typeface="Times New Roman" charset="0"/>
-                <a:ea typeface="Times New Roman" charset="0"/>
-                <a:cs typeface="Times New Roman" charset="0"/>
-              </a:rPr>
-              <a:t/>
-            </a:r>
             <a:br>
               <a:rPr lang="en-US" sz="2700" dirty="0">
                 <a:latin typeface="Times New Roman" charset="0"/>
@@ -22663,31 +22723,15 @@
                 <a:ea typeface="Times New Roman" charset="0"/>
                 <a:cs typeface="Times New Roman" charset="0"/>
               </a:rPr>
-              <a:t>Unit </a:t>
+              <a:t>Unit 8: </a:t>
             </a:r>
             <a:r>
-              <a:rPr lang="en-US" sz="2700" b="1" dirty="0" smtClean="0">
-                <a:latin typeface="Times New Roman" charset="0"/>
-                <a:ea typeface="Times New Roman" charset="0"/>
-                <a:cs typeface="Times New Roman" charset="0"/>
-              </a:rPr>
-              <a:t>8: </a:t>
-            </a:r>
-            <a:r>
-              <a:rPr lang="en-US" sz="2700" b="1" dirty="0" err="1" smtClean="0">
+              <a:rPr lang="en-US" sz="2700" b="1" dirty="0" err="1">
                 <a:latin typeface="Times New Roman" charset="0"/>
                 <a:ea typeface="Times New Roman" charset="0"/>
                 <a:cs typeface="Times New Roman" charset="0"/>
               </a:rPr>
               <a:t>OpenACC</a:t>
-            </a:r>
-            <a:r>
-              <a:rPr lang="en-US" sz="2700" b="1" dirty="0">
-                <a:latin typeface="Times New Roman" charset="0"/>
-                <a:ea typeface="Times New Roman" charset="0"/>
-                <a:cs typeface="Times New Roman" charset="0"/>
-              </a:rPr>
-              <a:t/>
             </a:r>
             <a:br>
               <a:rPr lang="en-US" sz="2700" b="1" dirty="0">
@@ -22702,39 +22746,15 @@
                 <a:ea typeface="Times New Roman" charset="0"/>
                 <a:cs typeface="Times New Roman" charset="0"/>
               </a:rPr>
-              <a:t>Lesson </a:t>
+              <a:t>Lesson 2: Intro to </a:t>
             </a:r>
             <a:r>
-              <a:rPr lang="en-US" sz="2700" b="1" dirty="0" smtClean="0">
-                <a:latin typeface="Times New Roman" charset="0"/>
-                <a:ea typeface="Times New Roman" charset="0"/>
-                <a:cs typeface="Times New Roman" charset="0"/>
-              </a:rPr>
-              <a:t>2</a:t>
-            </a:r>
-            <a:r>
-              <a:rPr lang="en-US" sz="2700" b="1" dirty="0">
-                <a:latin typeface="Times New Roman" charset="0"/>
-                <a:ea typeface="Times New Roman" charset="0"/>
-                <a:cs typeface="Times New Roman" charset="0"/>
-              </a:rPr>
-              <a:t>: Intro to </a:t>
-            </a:r>
-            <a:r>
-              <a:rPr lang="en-US" sz="2700" b="1" dirty="0" err="1" smtClean="0">
+              <a:rPr lang="en-US" sz="2700" b="1" dirty="0" err="1">
                 <a:latin typeface="Times New Roman" charset="0"/>
                 <a:ea typeface="Times New Roman" charset="0"/>
                 <a:cs typeface="Times New Roman" charset="0"/>
               </a:rPr>
               <a:t>OpenACC</a:t>
-            </a:r>
-            <a:r>
-              <a:rPr lang="en-US" sz="2700" b="1" dirty="0">
-                <a:latin typeface="Times New Roman" charset="0"/>
-                <a:ea typeface="Times New Roman" charset="0"/>
-                <a:cs typeface="Times New Roman" charset="0"/>
-              </a:rPr>
-              <a:t/>
             </a:r>
             <a:br>
               <a:rPr lang="en-US" sz="2700" b="1" dirty="0">
@@ -22768,20 +22788,12 @@
               <a:t> </a:t>
             </a:r>
             <a:r>
-              <a:rPr lang="en-US" sz="2700" i="1" dirty="0" err="1" smtClean="0">
+              <a:rPr lang="en-US" sz="2700" i="1" dirty="0" err="1">
                 <a:latin typeface="Times New Roman" charset="0"/>
                 <a:ea typeface="Times New Roman" charset="0"/>
                 <a:cs typeface="Times New Roman" charset="0"/>
               </a:rPr>
               <a:t>Ludin</a:t>
-            </a:r>
-            <a:r>
-              <a:rPr lang="en-US" sz="2700" i="1" dirty="0">
-                <a:latin typeface="Times New Roman" charset="0"/>
-                <a:ea typeface="Times New Roman" charset="0"/>
-                <a:cs typeface="Times New Roman" charset="0"/>
-              </a:rPr>
-              <a:t/>
             </a:r>
             <a:br>
               <a:rPr lang="en-US" sz="2700" i="1" dirty="0">
@@ -22811,13 +22823,6 @@
   <p:clrMapOvr>
     <a:masterClrMapping/>
   </p:clrMapOvr>
-  <p:timing>
-    <p:tnLst>
-      <p:par>
-        <p:cTn id="1" dur="indefinite" restart="never" nodeType="tmRoot"/>
-      </p:par>
-    </p:tnLst>
-  </p:timing>
 </p:sld>
 </file>
 
@@ -24210,23 +24215,7 @@
                 <a:ea typeface="Times New Roman" charset="0"/>
                 <a:cs typeface="Times New Roman" charset="0"/>
               </a:rPr>
-              <a:t>CC </a:t>
-            </a:r>
-            <a:r>
-              <a:rPr lang="en-US" sz="2100" dirty="0" smtClean="0">
-                <a:latin typeface="Times New Roman" charset="0"/>
-                <a:ea typeface="Times New Roman" charset="0"/>
-                <a:cs typeface="Times New Roman" charset="0"/>
-              </a:rPr>
-              <a:t>BY-SA </a:t>
-            </a:r>
-            <a:r>
-              <a:rPr lang="en-US" sz="2100" dirty="0">
-                <a:latin typeface="Times New Roman" charset="0"/>
-                <a:ea typeface="Times New Roman" charset="0"/>
-                <a:cs typeface="Times New Roman" charset="0"/>
-              </a:rPr>
-              <a:t>4.0. To view a copy of this license, visit </a:t>
+              <a:t>CC BY-SA 4.0. To view a copy of this license, visit </a:t>
             </a:r>
             <a:r>
               <a:rPr lang="en-US" sz="2100" dirty="0">
@@ -24235,24 +24224,7 @@
                 <a:cs typeface="Times New Roman" charset="0"/>
                 <a:hlinkClick r:id="rId2"/>
               </a:rPr>
-              <a:t>https://</a:t>
-            </a:r>
-            <a:r>
-              <a:rPr lang="en-US" sz="2100" dirty="0" smtClean="0">
-                <a:latin typeface="Times New Roman" charset="0"/>
-                <a:ea typeface="Times New Roman" charset="0"/>
-                <a:cs typeface="Times New Roman" charset="0"/>
-                <a:hlinkClick r:id="rId2"/>
-              </a:rPr>
-              <a:t>creativecommons.org/licenses/by-sa/4.0</a:t>
-            </a:r>
-            <a:r>
-              <a:rPr lang="en-US" sz="2100" dirty="0">
-                <a:latin typeface="Times New Roman" charset="0"/>
-                <a:ea typeface="Times New Roman" charset="0"/>
-                <a:cs typeface="Times New Roman" charset="0"/>
-              </a:rPr>
-              <a:t/>
+              <a:t>https://creativecommons.org/licenses/by-sa/4.0</a:t>
             </a:r>
             <a:br>
               <a:rPr lang="en-US" sz="2100" dirty="0">
@@ -24261,14 +24233,6 @@
                 <a:cs typeface="Times New Roman" charset="0"/>
               </a:rPr>
             </a:br>
-            <a:r>
-              <a:rPr lang="en-US" sz="2100" dirty="0">
-                <a:latin typeface="Times New Roman" charset="0"/>
-                <a:ea typeface="Times New Roman" charset="0"/>
-                <a:cs typeface="Times New Roman" charset="0"/>
-              </a:rPr>
-              <a:t/>
-            </a:r>
             <a:br>
               <a:rPr lang="en-US" sz="2100" dirty="0">
                 <a:latin typeface="Times New Roman" charset="0"/>
@@ -24293,14 +24257,6 @@
               </a:rPr>
               <a:t>http://shodor.org/petascale/materials/semester-curriculum</a:t>
             </a:r>
-            <a:r>
-              <a:rPr lang="en-US" sz="2100" dirty="0">
-                <a:latin typeface="Times New Roman" charset="0"/>
-                <a:ea typeface="Times New Roman" charset="0"/>
-                <a:cs typeface="Times New Roman" charset="0"/>
-              </a:rPr>
-              <a:t/>
-            </a:r>
             <a:br>
               <a:rPr lang="en-US" sz="2100" dirty="0">
                 <a:latin typeface="Times New Roman" charset="0"/>
@@ -24308,14 +24264,6 @@
                 <a:cs typeface="Times New Roman" charset="0"/>
               </a:rPr>
             </a:br>
-            <a:r>
-              <a:rPr lang="en-US" sz="2100" dirty="0">
-                <a:latin typeface="Times New Roman" charset="0"/>
-                <a:ea typeface="Times New Roman" charset="0"/>
-                <a:cs typeface="Times New Roman" charset="0"/>
-              </a:rPr>
-              <a:t/>
-            </a:r>
             <a:br>
               <a:rPr lang="en-US" sz="2100" dirty="0">
                 <a:latin typeface="Times New Roman" charset="0"/>
@@ -24340,14 +24288,6 @@
               </a:rPr>
               <a:t>https://github.com/shodor-education/petascale-semester-curriculum</a:t>
             </a:r>
-            <a:r>
-              <a:rPr lang="en-US" sz="2100" dirty="0">
-                <a:latin typeface="Times New Roman" charset="0"/>
-                <a:ea typeface="Times New Roman" charset="0"/>
-                <a:cs typeface="Times New Roman" charset="0"/>
-              </a:rPr>
-              <a:t/>
-            </a:r>
             <a:br>
               <a:rPr lang="en-US" sz="2100" dirty="0">
                 <a:latin typeface="Times New Roman" charset="0"/>
@@ -24355,14 +24295,6 @@
                 <a:cs typeface="Times New Roman" charset="0"/>
               </a:rPr>
             </a:br>
-            <a:r>
-              <a:rPr lang="en-US" sz="2100" dirty="0">
-                <a:latin typeface="Times New Roman" charset="0"/>
-                <a:ea typeface="Times New Roman" charset="0"/>
-                <a:cs typeface="Times New Roman" charset="0"/>
-              </a:rPr>
-              <a:t/>
-            </a:r>
             <a:br>
               <a:rPr lang="en-US" sz="2100" dirty="0">
                 <a:latin typeface="Times New Roman" charset="0"/>
@@ -25039,7 +24971,7 @@
               <a:buNone/>
             </a:pPr>
             <a:r>
-              <a:rPr lang="en-US" b="1">
+              <a:rPr lang="en-US" b="1" dirty="0">
                 <a:solidFill>
                   <a:schemeClr val="dk1"/>
                 </a:solidFill>
@@ -25050,7 +24982,7 @@
               </a:rPr>
               <a:t>Login:</a:t>
             </a:r>
-            <a:endParaRPr b="1">
+            <a:endParaRPr b="1" dirty="0">
               <a:solidFill>
                 <a:schemeClr val="dk1"/>
               </a:solidFill>
@@ -25079,7 +25011,7 @@
               <a:buNone/>
             </a:pPr>
             <a:r>
-              <a:rPr lang="en-US" b="1">
+              <a:rPr lang="en-US" b="1" dirty="0">
                 <a:solidFill>
                   <a:schemeClr val="dk1"/>
                 </a:solidFill>
@@ -25091,7 +25023,7 @@
               <a:t>$ </a:t>
             </a:r>
             <a:r>
-              <a:rPr lang="en-US" b="1">
+              <a:rPr lang="en-US" b="1" dirty="0" err="1">
                 <a:solidFill>
                   <a:schemeClr val="dk1"/>
                 </a:solidFill>
@@ -25103,7 +25035,7 @@
               <a:t>ssh</a:t>
             </a:r>
             <a:r>
-              <a:rPr lang="en-US" b="1">
+              <a:rPr lang="en-US" b="1" dirty="0">
                 <a:solidFill>
                   <a:schemeClr val="dk1"/>
                 </a:solidFill>
@@ -25118,7 +25050,7 @@
               <a:t> </a:t>
             </a:r>
             <a:r>
-              <a:rPr lang="en-US" b="1">
+              <a:rPr lang="en-US" b="1" dirty="0">
                 <a:solidFill>
                   <a:schemeClr val="dk1"/>
                 </a:solidFill>
@@ -25133,7 +25065,7 @@
               <a:t>&lt;username&gt;</a:t>
             </a:r>
             <a:r>
-              <a:rPr lang="en-US" b="1">
+              <a:rPr lang="en-US" b="1" dirty="0">
                 <a:solidFill>
                   <a:schemeClr val="dk1"/>
                 </a:solidFill>
@@ -25145,7 +25077,7 @@
               <a:t>@bw.ncsa.illinois.edu</a:t>
             </a:r>
             <a:r>
-              <a:rPr lang="en-US" b="1">
+              <a:rPr lang="en-US" b="1" dirty="0">
                 <a:solidFill>
                   <a:schemeClr val="dk1"/>
                 </a:solidFill>
@@ -25159,7 +25091,7 @@
               </a:rPr>
               <a:t>&lt;ENTER&gt;</a:t>
             </a:r>
-            <a:endParaRPr>
+            <a:endParaRPr dirty="0">
               <a:solidFill>
                 <a:srgbClr val="000000"/>
               </a:solidFill>
@@ -25182,7 +25114,7 @@
               </a:spcAft>
               <a:buNone/>
             </a:pPr>
-            <a:endParaRPr>
+            <a:endParaRPr dirty="0">
               <a:solidFill>
                 <a:srgbClr val="000000"/>
               </a:solidFill>
@@ -25206,7 +25138,7 @@
               <a:buNone/>
             </a:pPr>
             <a:r>
-              <a:rPr lang="en-US" b="1">
+              <a:rPr lang="en-US" b="1" dirty="0">
                 <a:solidFill>
                   <a:srgbClr val="000000"/>
                 </a:solidFill>
@@ -25217,7 +25149,7 @@
               </a:rPr>
               <a:t>Interactive node request:</a:t>
             </a:r>
-            <a:endParaRPr b="1">
+            <a:endParaRPr b="1" dirty="0">
               <a:solidFill>
                 <a:srgbClr val="000000"/>
               </a:solidFill>
@@ -25241,7 +25173,7 @@
               <a:buNone/>
             </a:pPr>
             <a:r>
-              <a:rPr lang="en-US" b="1">
+              <a:rPr lang="en-US" b="1" dirty="0">
                 <a:solidFill>
                   <a:schemeClr val="dk1"/>
                 </a:solidFill>
@@ -25250,10 +25182,22 @@
                 <a:cs typeface="Consolas"/>
                 <a:sym typeface="Consolas"/>
               </a:rPr>
-              <a:t>$ qsub</a:t>
+              <a:t>$ </a:t>
             </a:r>
             <a:r>
-              <a:rPr lang="en-US" b="1">
+              <a:rPr lang="en-US" b="1" dirty="0" err="1">
+                <a:solidFill>
+                  <a:schemeClr val="dk1"/>
+                </a:solidFill>
+                <a:latin typeface="Consolas"/>
+                <a:ea typeface="Consolas"/>
+                <a:cs typeface="Consolas"/>
+                <a:sym typeface="Consolas"/>
+              </a:rPr>
+              <a:t>qsub</a:t>
+            </a:r>
+            <a:r>
+              <a:rPr lang="en-US" b="1" dirty="0">
                 <a:solidFill>
                   <a:schemeClr val="dk1"/>
                 </a:solidFill>
@@ -25268,7 +25212,7 @@
               <a:t> </a:t>
             </a:r>
             <a:r>
-              <a:rPr lang="en-US" b="1">
+              <a:rPr lang="en-US" b="1" dirty="0">
                 <a:solidFill>
                   <a:schemeClr val="dk1"/>
                 </a:solidFill>
@@ -25280,7 +25224,7 @@
               <a:t>-I</a:t>
             </a:r>
             <a:r>
-              <a:rPr lang="en-US" b="1">
+              <a:rPr lang="en-US" b="1" dirty="0">
                 <a:solidFill>
                   <a:schemeClr val="dk1"/>
                 </a:solidFill>
@@ -25295,7 +25239,7 @@
               <a:t> </a:t>
             </a:r>
             <a:r>
-              <a:rPr lang="en-US" b="1">
+              <a:rPr lang="en-US" b="1" dirty="0">
                 <a:solidFill>
                   <a:schemeClr val="dk1"/>
                 </a:solidFill>
@@ -25307,7 +25251,7 @@
               <a:t>-l</a:t>
             </a:r>
             <a:r>
-              <a:rPr lang="en-US" b="1">
+              <a:rPr lang="en-US" b="1" dirty="0">
                 <a:solidFill>
                   <a:schemeClr val="dk1"/>
                 </a:solidFill>
@@ -25322,7 +25266,7 @@
               <a:t> </a:t>
             </a:r>
             <a:r>
-              <a:rPr lang="en-US" b="1">
+              <a:rPr lang="en-US" b="1" dirty="0">
                 <a:solidFill>
                   <a:schemeClr val="dk1"/>
                 </a:solidFill>
@@ -25334,7 +25278,7 @@
               <a:t>nodes=1:ppn=16:xk,walltime=03:00:00</a:t>
             </a:r>
             <a:r>
-              <a:rPr lang="en-US" b="1">
+              <a:rPr lang="en-US" b="1" dirty="0">
                 <a:solidFill>
                   <a:schemeClr val="dk1"/>
                 </a:solidFill>
@@ -25348,7 +25292,7 @@
               </a:rPr>
               <a:t>&lt;ENTER&gt;</a:t>
             </a:r>
-            <a:endParaRPr b="1">
+            <a:endParaRPr b="1" dirty="0">
               <a:solidFill>
                 <a:schemeClr val="dk1"/>
               </a:solidFill>
@@ -25371,7 +25315,7 @@
               </a:spcAft>
               <a:buNone/>
             </a:pPr>
-            <a:endParaRPr b="1">
+            <a:endParaRPr b="1" dirty="0">
               <a:solidFill>
                 <a:schemeClr val="dk1"/>
               </a:solidFill>
@@ -25395,7 +25339,7 @@
               <a:buNone/>
             </a:pPr>
             <a:r>
-              <a:rPr lang="en-US" b="1">
+              <a:rPr lang="en-US" b="1" dirty="0">
                 <a:solidFill>
                   <a:srgbClr val="000000"/>
                 </a:solidFill>
@@ -25406,7 +25350,7 @@
               </a:rPr>
               <a:t>Download code:</a:t>
             </a:r>
-            <a:endParaRPr b="1">
+            <a:endParaRPr b="1" dirty="0">
               <a:solidFill>
                 <a:schemeClr val="dk1"/>
               </a:solidFill>
@@ -25430,7 +25374,7 @@
               <a:buNone/>
             </a:pPr>
             <a:r>
-              <a:rPr lang="en-US" b="1">
+              <a:rPr lang="en-US" b="1" dirty="0">
                 <a:solidFill>
                   <a:srgbClr val="000000"/>
                 </a:solidFill>
@@ -25442,7 +25386,7 @@
               <a:t>$ </a:t>
             </a:r>
             <a:r>
-              <a:rPr lang="en-US" sz="1700" b="1">
+              <a:rPr lang="en-US" sz="1700" b="1" dirty="0" err="1">
                 <a:solidFill>
                   <a:srgbClr val="000000"/>
                 </a:solidFill>
@@ -25454,7 +25398,7 @@
               <a:t>wget</a:t>
             </a:r>
             <a:r>
-              <a:rPr lang="en-US" sz="1400" b="1">
+              <a:rPr lang="en-US" sz="1400" b="1" dirty="0">
                 <a:solidFill>
                   <a:schemeClr val="dk1"/>
                 </a:solidFill>
@@ -25469,7 +25413,7 @@
               <a:t> </a:t>
             </a:r>
             <a:r>
-              <a:rPr lang="en-US" sz="1700" b="1">
+              <a:rPr lang="en-US" sz="1700" b="1" dirty="0">
                 <a:solidFill>
                   <a:srgbClr val="000000"/>
                 </a:solidFill>
@@ -25481,7 +25425,7 @@
               <a:t>http://shodor.org/~mludin/BW_Capstone/openACC_intro.tar</a:t>
             </a:r>
             <a:r>
-              <a:rPr lang="en-US" sz="1400" b="1">
+              <a:rPr lang="en-US" sz="1400" b="1" dirty="0">
                 <a:solidFill>
                   <a:srgbClr val="000000"/>
                 </a:solidFill>
@@ -25496,7 +25440,7 @@
               <a:t> </a:t>
             </a:r>
             <a:r>
-              <a:rPr lang="en-US" sz="1400" b="1">
+              <a:rPr lang="en-US" sz="1400" b="1" dirty="0">
                 <a:solidFill>
                   <a:srgbClr val="000000"/>
                 </a:solidFill>
@@ -25510,7 +25454,7 @@
               </a:rPr>
               <a:t>&lt;ENTER&gt;</a:t>
             </a:r>
-            <a:endParaRPr sz="1400" b="1">
+            <a:endParaRPr sz="1400" b="1" dirty="0">
               <a:solidFill>
                 <a:srgbClr val="000000"/>
               </a:solidFill>
@@ -25537,7 +25481,7 @@
               <a:buNone/>
             </a:pPr>
             <a:r>
-              <a:rPr lang="en-US" b="1">
+              <a:rPr lang="en-US" b="1" dirty="0">
                 <a:solidFill>
                   <a:srgbClr val="000000"/>
                 </a:solidFill>
@@ -25548,7 +25492,7 @@
               </a:rPr>
               <a:t>Extract the tar file:</a:t>
             </a:r>
-            <a:endParaRPr b="1">
+            <a:endParaRPr b="1" dirty="0">
               <a:solidFill>
                 <a:schemeClr val="dk1"/>
               </a:solidFill>
@@ -25572,7 +25516,7 @@
               <a:buNone/>
             </a:pPr>
             <a:r>
-              <a:rPr lang="en-US" b="1">
+              <a:rPr lang="en-US" b="1" dirty="0">
                 <a:solidFill>
                   <a:schemeClr val="dk1"/>
                 </a:solidFill>
@@ -25584,7 +25528,7 @@
               <a:t>$ </a:t>
             </a:r>
             <a:r>
-              <a:rPr lang="en-US" b="1">
+              <a:rPr lang="en-US" b="1" dirty="0">
                 <a:solidFill>
                   <a:schemeClr val="dk1"/>
                 </a:solidFill>
@@ -25596,7 +25540,7 @@
               <a:t>tar</a:t>
             </a:r>
             <a:r>
-              <a:rPr lang="en-US" sz="1400" b="1">
+              <a:rPr lang="en-US" sz="1400" b="1" dirty="0">
                 <a:solidFill>
                   <a:schemeClr val="dk1"/>
                 </a:solidFill>
@@ -25611,7 +25555,7 @@
               <a:t> </a:t>
             </a:r>
             <a:r>
-              <a:rPr lang="en-US" b="1">
+              <a:rPr lang="en-US" b="1" dirty="0">
                 <a:solidFill>
                   <a:schemeClr val="dk1"/>
                 </a:solidFill>
@@ -25620,10 +25564,22 @@
                 <a:cs typeface="Consolas"/>
                 <a:sym typeface="Consolas"/>
               </a:rPr>
-              <a:t>-xvvf</a:t>
+              <a:t>-</a:t>
             </a:r>
             <a:r>
-              <a:rPr lang="en-US" sz="1400" b="1">
+              <a:rPr lang="en-US" b="1" dirty="0" err="1">
+                <a:solidFill>
+                  <a:schemeClr val="dk1"/>
+                </a:solidFill>
+                <a:latin typeface="Consolas"/>
+                <a:ea typeface="Consolas"/>
+                <a:cs typeface="Consolas"/>
+                <a:sym typeface="Consolas"/>
+              </a:rPr>
+              <a:t>xvvf</a:t>
+            </a:r>
+            <a:r>
+              <a:rPr lang="en-US" sz="1400" b="1" dirty="0">
                 <a:solidFill>
                   <a:schemeClr val="dk1"/>
                 </a:solidFill>
@@ -25638,7 +25594,7 @@
               <a:t> </a:t>
             </a:r>
             <a:r>
-              <a:rPr lang="en-US" b="1">
+              <a:rPr lang="en-US" b="1" dirty="0">
                 <a:solidFill>
                   <a:schemeClr val="dk1"/>
                 </a:solidFill>
@@ -25650,7 +25606,7 @@
               <a:t>openACC_intro.tar</a:t>
             </a:r>
             <a:r>
-              <a:rPr lang="en-US" b="1">
+              <a:rPr lang="en-US" b="1" dirty="0">
                 <a:solidFill>
                   <a:schemeClr val="dk1"/>
                 </a:solidFill>
@@ -25664,7 +25620,7 @@
               </a:rPr>
               <a:t>&lt;ENTER&gt;</a:t>
             </a:r>
-            <a:endParaRPr b="1">
+            <a:endParaRPr b="1" dirty="0">
               <a:solidFill>
                 <a:schemeClr val="dk1"/>
               </a:solidFill>
@@ -25688,7 +25644,7 @@
               <a:buNone/>
             </a:pPr>
             <a:r>
-              <a:rPr lang="en-US" b="1">
+              <a:rPr lang="en-US" b="1" dirty="0">
                 <a:solidFill>
                   <a:srgbClr val="000000"/>
                 </a:solidFill>
@@ -25699,7 +25655,7 @@
               </a:rPr>
               <a:t>Change folders:</a:t>
             </a:r>
-            <a:endParaRPr b="1">
+            <a:endParaRPr b="1" dirty="0">
               <a:solidFill>
                 <a:schemeClr val="dk1"/>
               </a:solidFill>
@@ -25723,7 +25679,7 @@
               <a:buNone/>
             </a:pPr>
             <a:r>
-              <a:rPr lang="en-US" b="1">
+              <a:rPr lang="en-US" b="1" dirty="0">
                 <a:solidFill>
                   <a:schemeClr val="dk1"/>
                 </a:solidFill>
@@ -25735,7 +25691,7 @@
               <a:t>$ </a:t>
             </a:r>
             <a:r>
-              <a:rPr lang="en-US" b="1">
+              <a:rPr lang="en-US" b="1" dirty="0">
                 <a:solidFill>
                   <a:schemeClr val="dk1"/>
                 </a:solidFill>
@@ -25747,7 +25703,7 @@
               <a:t>cd</a:t>
             </a:r>
             <a:r>
-              <a:rPr lang="en-US" sz="1400" b="1">
+              <a:rPr lang="en-US" sz="1400" b="1" dirty="0">
                 <a:solidFill>
                   <a:schemeClr val="dk1"/>
                 </a:solidFill>
@@ -25762,7 +25718,7 @@
               <a:t> </a:t>
             </a:r>
             <a:r>
-              <a:rPr lang="en-US" b="1">
+              <a:rPr lang="en-US" b="1" dirty="0" err="1">
                 <a:solidFill>
                   <a:schemeClr val="dk1"/>
                 </a:solidFill>
@@ -25774,7 +25730,7 @@
               <a:t>openACC_intro</a:t>
             </a:r>
             <a:r>
-              <a:rPr lang="en-US" b="1">
+              <a:rPr lang="en-US" b="1" dirty="0">
                 <a:solidFill>
                   <a:schemeClr val="dk1"/>
                 </a:solidFill>
@@ -25786,7 +25742,7 @@
               <a:t>/</a:t>
             </a:r>
             <a:r>
-              <a:rPr lang="en-US" b="1">
+              <a:rPr lang="en-US" b="1" dirty="0">
                 <a:solidFill>
                   <a:schemeClr val="dk1"/>
                 </a:solidFill>
@@ -25800,7 +25756,7 @@
               </a:rPr>
               <a:t>&lt;ENTER&gt;</a:t>
             </a:r>
-            <a:endParaRPr b="1">
+            <a:endParaRPr b="1" dirty="0">
               <a:solidFill>
                 <a:schemeClr val="dk1"/>
               </a:solidFill>
@@ -25827,7 +25783,7 @@
               <a:buNone/>
             </a:pPr>
             <a:r>
-              <a:rPr lang="en-US" b="1">
+              <a:rPr lang="en-US" b="1" dirty="0">
                 <a:solidFill>
                   <a:schemeClr val="dk1"/>
                 </a:solidFill>
@@ -25839,7 +25795,7 @@
               <a:t>$ </a:t>
             </a:r>
             <a:r>
-              <a:rPr lang="en-US" b="1">
+              <a:rPr lang="en-US" b="1" dirty="0">
                 <a:solidFill>
                   <a:schemeClr val="dk1"/>
                 </a:solidFill>
@@ -25851,7 +25807,7 @@
               <a:t>ls</a:t>
             </a:r>
             <a:r>
-              <a:rPr lang="en-US" sz="1400" b="1">
+              <a:rPr lang="en-US" sz="1400" b="1" dirty="0">
                 <a:solidFill>
                   <a:schemeClr val="dk1"/>
                 </a:solidFill>
@@ -25866,7 +25822,7 @@
               <a:t> </a:t>
             </a:r>
             <a:r>
-              <a:rPr lang="en-US" b="1">
+              <a:rPr lang="en-US" b="1" dirty="0">
                 <a:solidFill>
                   <a:schemeClr val="dk1"/>
                 </a:solidFill>
@@ -25880,7 +25836,7 @@
               </a:rPr>
               <a:t>&lt;ENTER&gt;</a:t>
             </a:r>
-            <a:endParaRPr b="1">
+            <a:endParaRPr b="1" dirty="0">
               <a:solidFill>
                 <a:schemeClr val="dk1"/>
               </a:solidFill>
@@ -25911,7 +25867,7 @@
               <a:buFont typeface="Arial"/>
               <a:buNone/>
             </a:pPr>
-            <a:endParaRPr b="1">
+            <a:endParaRPr b="1" dirty="0">
               <a:solidFill>
                 <a:schemeClr val="dk1"/>
               </a:solidFill>
@@ -25934,7 +25890,7 @@
               </a:spcAft>
               <a:buNone/>
             </a:pPr>
-            <a:endParaRPr b="1">
+            <a:endParaRPr b="1" dirty="0">
               <a:solidFill>
                 <a:schemeClr val="dk1"/>
               </a:solidFill>
@@ -26017,7 +25973,7 @@
               <a:buNone/>
             </a:pPr>
             <a:r>
-              <a:rPr lang="en-US" sz="3950" b="0" i="0" u="none" strike="noStrike" cap="none">
+              <a:rPr lang="en-US" sz="3950" b="0" i="0" u="none" strike="noStrike" cap="none" dirty="0">
                 <a:solidFill>
                   <a:schemeClr val="dk1"/>
                 </a:solidFill>
@@ -26028,7 +25984,7 @@
               </a:rPr>
               <a:t>The GPU Big Bang</a:t>
             </a:r>
-            <a:endParaRPr sz="3950" b="0" i="0" u="none" strike="noStrike" cap="none">
+            <a:endParaRPr sz="3950" b="0" i="0" u="none" strike="noStrike" cap="none" dirty="0">
               <a:solidFill>
                 <a:schemeClr val="dk1"/>
               </a:solidFill>
@@ -26042,85 +25998,303 @@
       </p:sp>
       <p:pic>
         <p:nvPicPr>
-          <p:cNvPr id="198" name="Google Shape;198;p40"/>
-          <p:cNvPicPr preferRelativeResize="0"/>
+          <p:cNvPr id="3" name="Picture 2">
+            <a:extLst>
+              <a:ext uri="{FF2B5EF4-FFF2-40B4-BE49-F238E27FC236}">
+                <a16:creationId xmlns:a16="http://schemas.microsoft.com/office/drawing/2014/main" id="{C9F318D0-53F2-4547-ACC7-6734E6198244}"/>
+              </a:ext>
+            </a:extLst>
+          </p:cNvPr>
+          <p:cNvPicPr>
+            <a:picLocks noChangeAspect="1"/>
+          </p:cNvPicPr>
           <p:nvPr/>
         </p:nvPicPr>
-        <p:blipFill rotWithShape="1">
-          <a:blip r:embed="rId3">
-            <a:alphaModFix/>
-          </a:blip>
-          <a:srcRect/>
-          <a:stretch/>
+        <p:blipFill>
+          <a:blip r:embed="rId3"/>
+          <a:stretch>
+            <a:fillRect/>
+          </a:stretch>
         </p:blipFill>
         <p:spPr>
           <a:xfrm>
-            <a:off x="148535" y="865481"/>
-            <a:ext cx="2737466" cy="2380075"/>
+            <a:off x="553690" y="935371"/>
+            <a:ext cx="3518480" cy="2976417"/>
+          </a:xfrm>
+          <a:prstGeom prst="rect">
+            <a:avLst/>
+          </a:prstGeom>
+        </p:spPr>
+      </p:pic>
+      <p:sp>
+        <p:nvSpPr>
+          <p:cNvPr id="9" name="TextBox 8">
+            <a:extLst>
+              <a:ext uri="{FF2B5EF4-FFF2-40B4-BE49-F238E27FC236}">
+                <a16:creationId xmlns:a16="http://schemas.microsoft.com/office/drawing/2014/main" id="{C537B320-5D42-43F0-890A-ECA6850D1576}"/>
+              </a:ext>
+            </a:extLst>
+          </p:cNvPr>
+          <p:cNvSpPr txBox="1"/>
+          <p:nvPr/>
+        </p:nvSpPr>
+        <p:spPr>
+          <a:xfrm>
+            <a:off x="808075" y="4032902"/>
+            <a:ext cx="2849340" cy="523220"/>
           </a:xfrm>
           <a:prstGeom prst="rect">
             <a:avLst/>
           </a:prstGeom>
           <a:noFill/>
-          <a:ln>
-            <a:noFill/>
-          </a:ln>
         </p:spPr>
-      </p:pic>
+        <p:txBody>
+          <a:bodyPr wrap="square">
+            <a:spAutoFit/>
+          </a:bodyPr>
+          <a:lstStyle/>
+          <a:p>
+            <a:r>
+              <a:rPr lang="en-US" sz="1400" dirty="0">
+                <a:solidFill>
+                  <a:schemeClr val="tx1"/>
+                </a:solidFill>
+                <a:latin typeface="Times New Roman" panose="02020603050405020304" pitchFamily="18" charset="0"/>
+                <a:ea typeface="Roboto"/>
+                <a:cs typeface="Times New Roman" panose="02020603050405020304" pitchFamily="18" charset="0"/>
+                <a:sym typeface="Roboto"/>
+              </a:rPr>
+              <a:t>Image: </a:t>
+            </a:r>
+            <a:r>
+              <a:rPr lang="en-US" sz="1400" dirty="0" err="1">
+                <a:latin typeface="Times New Roman" panose="02020603050405020304" pitchFamily="18" charset="0"/>
+                <a:ea typeface="Roboto"/>
+                <a:cs typeface="Times New Roman" panose="02020603050405020304" pitchFamily="18" charset="0"/>
+                <a:sym typeface="Roboto"/>
+                <a:hlinkClick r:id="rId4"/>
+              </a:rPr>
+              <a:t>CaBi</a:t>
+            </a:r>
+            <a:r>
+              <a:rPr lang="en-US" sz="1400" dirty="0">
+                <a:latin typeface="Times New Roman" panose="02020603050405020304" pitchFamily="18" charset="0"/>
+                <a:ea typeface="Roboto"/>
+                <a:cs typeface="Times New Roman" panose="02020603050405020304" pitchFamily="18" charset="0"/>
+                <a:sym typeface="Roboto"/>
+                <a:hlinkClick r:id="rId4"/>
+              </a:rPr>
+              <a:t> Trip Visualizer</a:t>
+            </a:r>
+            <a:r>
+              <a:rPr lang="en-US" sz="1400" dirty="0">
+                <a:latin typeface="Times New Roman" panose="02020603050405020304" pitchFamily="18" charset="0"/>
+                <a:ea typeface="Roboto"/>
+                <a:cs typeface="Times New Roman" panose="02020603050405020304" pitchFamily="18" charset="0"/>
+                <a:sym typeface="Roboto"/>
+              </a:rPr>
+              <a:t> </a:t>
+            </a:r>
+            <a:r>
+              <a:rPr lang="en-US" sz="1400" dirty="0">
+                <a:solidFill>
+                  <a:schemeClr val="tx1"/>
+                </a:solidFill>
+                <a:latin typeface="Times New Roman" panose="02020603050405020304" pitchFamily="18" charset="0"/>
+                <a:ea typeface="Roboto"/>
+                <a:cs typeface="Times New Roman" panose="02020603050405020304" pitchFamily="18" charset="0"/>
+                <a:sym typeface="Roboto"/>
+              </a:rPr>
+              <a:t>by </a:t>
+            </a:r>
+            <a:r>
+              <a:rPr lang="en-US" dirty="0">
+                <a:latin typeface="Times New Roman" panose="02020603050405020304" pitchFamily="18" charset="0"/>
+                <a:cs typeface="Times New Roman" panose="02020603050405020304" pitchFamily="18" charset="0"/>
+                <a:hlinkClick r:id="rId5" tooltip="Go to Ted Eytan's photostream"/>
+              </a:rPr>
+              <a:t>Ted </a:t>
+            </a:r>
+            <a:r>
+              <a:rPr lang="en-US" dirty="0" err="1">
+                <a:latin typeface="Times New Roman" panose="02020603050405020304" pitchFamily="18" charset="0"/>
+                <a:cs typeface="Times New Roman" panose="02020603050405020304" pitchFamily="18" charset="0"/>
+                <a:hlinkClick r:id="rId5" tooltip="Go to Ted Eytan's photostream"/>
+              </a:rPr>
+              <a:t>Eytan</a:t>
+            </a:r>
+            <a:r>
+              <a:rPr lang="en-US" dirty="0">
+                <a:latin typeface="Times New Roman" panose="02020603050405020304" pitchFamily="18" charset="0"/>
+                <a:cs typeface="Times New Roman" panose="02020603050405020304" pitchFamily="18" charset="0"/>
+              </a:rPr>
+              <a:t> </a:t>
+            </a:r>
+            <a:r>
+              <a:rPr lang="en-US" sz="1400" dirty="0">
+                <a:solidFill>
+                  <a:schemeClr val="tx1"/>
+                </a:solidFill>
+                <a:latin typeface="Times New Roman" panose="02020603050405020304" pitchFamily="18" charset="0"/>
+                <a:ea typeface="Roboto"/>
+                <a:cs typeface="Times New Roman" panose="02020603050405020304" pitchFamily="18" charset="0"/>
+                <a:sym typeface="Roboto"/>
+              </a:rPr>
+              <a:t>is licensed under</a:t>
+            </a:r>
+            <a:r>
+              <a:rPr lang="en-US" sz="1400" dirty="0">
+                <a:latin typeface="Times New Roman" panose="02020603050405020304" pitchFamily="18" charset="0"/>
+                <a:ea typeface="Roboto"/>
+                <a:cs typeface="Times New Roman" panose="02020603050405020304" pitchFamily="18" charset="0"/>
+                <a:sym typeface="Roboto"/>
+              </a:rPr>
+              <a:t> </a:t>
+            </a:r>
+            <a:r>
+              <a:rPr lang="en-US" sz="1400" dirty="0">
+                <a:latin typeface="Times New Roman" panose="02020603050405020304" pitchFamily="18" charset="0"/>
+                <a:cs typeface="Times New Roman" panose="02020603050405020304" pitchFamily="18" charset="0"/>
+                <a:hlinkClick r:id="rId6"/>
+              </a:rPr>
+              <a:t>CC-BY-2.0</a:t>
+            </a:r>
+            <a:endParaRPr lang="en-US" sz="1400" dirty="0">
+              <a:latin typeface="Times New Roman" panose="02020603050405020304" pitchFamily="18" charset="0"/>
+              <a:ea typeface="Roboto"/>
+              <a:cs typeface="Times New Roman" panose="02020603050405020304" pitchFamily="18" charset="0"/>
+              <a:sym typeface="Roboto"/>
+            </a:endParaRPr>
+          </a:p>
+        </p:txBody>
+      </p:sp>
       <p:pic>
         <p:nvPicPr>
-          <p:cNvPr id="199" name="Google Shape;199;p40"/>
-          <p:cNvPicPr preferRelativeResize="0"/>
+          <p:cNvPr id="6" name="Picture 5">
+            <a:extLst>
+              <a:ext uri="{FF2B5EF4-FFF2-40B4-BE49-F238E27FC236}">
+                <a16:creationId xmlns:a16="http://schemas.microsoft.com/office/drawing/2014/main" id="{79BFA784-9B26-4577-B0F1-055EF184990C}"/>
+              </a:ext>
+            </a:extLst>
+          </p:cNvPr>
+          <p:cNvPicPr>
+            <a:picLocks noChangeAspect="1"/>
+          </p:cNvPicPr>
           <p:nvPr/>
         </p:nvPicPr>
-        <p:blipFill rotWithShape="1">
-          <a:blip r:embed="rId4">
-            <a:alphaModFix/>
-          </a:blip>
-          <a:srcRect/>
-          <a:stretch/>
+        <p:blipFill>
+          <a:blip r:embed="rId7"/>
+          <a:stretch>
+            <a:fillRect/>
+          </a:stretch>
         </p:blipFill>
         <p:spPr>
           <a:xfrm>
-            <a:off x="6296053" y="1129364"/>
-            <a:ext cx="2796900" cy="2884800"/>
+            <a:off x="4898065" y="935370"/>
+            <a:ext cx="3692245" cy="3010401"/>
+          </a:xfrm>
+          <a:prstGeom prst="rect">
+            <a:avLst/>
+          </a:prstGeom>
+        </p:spPr>
+      </p:pic>
+      <p:sp>
+        <p:nvSpPr>
+          <p:cNvPr id="12" name="TextBox 11">
+            <a:extLst>
+              <a:ext uri="{FF2B5EF4-FFF2-40B4-BE49-F238E27FC236}">
+                <a16:creationId xmlns:a16="http://schemas.microsoft.com/office/drawing/2014/main" id="{FB2709E6-E457-4871-9154-65886C42167D}"/>
+              </a:ext>
+            </a:extLst>
+          </p:cNvPr>
+          <p:cNvSpPr txBox="1"/>
+          <p:nvPr/>
+        </p:nvSpPr>
+        <p:spPr>
+          <a:xfrm>
+            <a:off x="5486585" y="4027474"/>
+            <a:ext cx="2849340" cy="523220"/>
           </a:xfrm>
           <a:prstGeom prst="rect">
             <a:avLst/>
           </a:prstGeom>
           <a:noFill/>
-          <a:ln>
-            <a:noFill/>
-          </a:ln>
         </p:spPr>
-      </p:pic>
-      <p:pic>
-        <p:nvPicPr>
-          <p:cNvPr id="200" name="Google Shape;200;p40"/>
-          <p:cNvPicPr preferRelativeResize="0"/>
-          <p:nvPr/>
-        </p:nvPicPr>
-        <p:blipFill rotWithShape="1">
-          <a:blip r:embed="rId5">
-            <a:alphaModFix/>
-          </a:blip>
-          <a:srcRect/>
-          <a:stretch/>
-        </p:blipFill>
-        <p:spPr>
-          <a:xfrm>
-            <a:off x="3174999" y="1847380"/>
-            <a:ext cx="3052704" cy="3052704"/>
-          </a:xfrm>
-          <a:prstGeom prst="rect">
-            <a:avLst/>
-          </a:prstGeom>
-          <a:noFill/>
-          <a:ln>
-            <a:noFill/>
-          </a:ln>
-        </p:spPr>
-      </p:pic>
+        <p:txBody>
+          <a:bodyPr wrap="square">
+            <a:spAutoFit/>
+          </a:bodyPr>
+          <a:lstStyle/>
+          <a:p>
+            <a:r>
+              <a:rPr lang="en-US" sz="1400" dirty="0">
+                <a:solidFill>
+                  <a:schemeClr val="tx1"/>
+                </a:solidFill>
+                <a:latin typeface="Times New Roman" panose="02020603050405020304" pitchFamily="18" charset="0"/>
+                <a:ea typeface="Roboto"/>
+                <a:cs typeface="Times New Roman" panose="02020603050405020304" pitchFamily="18" charset="0"/>
+                <a:sym typeface="Roboto"/>
+              </a:rPr>
+              <a:t>Image: </a:t>
+            </a:r>
+            <a:r>
+              <a:rPr lang="en-US" sz="1400" dirty="0">
+                <a:latin typeface="Times New Roman" panose="02020603050405020304" pitchFamily="18" charset="0"/>
+                <a:ea typeface="Roboto"/>
+                <a:cs typeface="Times New Roman" panose="02020603050405020304" pitchFamily="18" charset="0"/>
+                <a:sym typeface="Roboto"/>
+                <a:hlinkClick r:id="rId8"/>
+              </a:rPr>
+              <a:t>FMRI Brain Scan.jpg</a:t>
+            </a:r>
+            <a:r>
+              <a:rPr lang="en-US" sz="1400" dirty="0">
+                <a:latin typeface="Times New Roman" panose="02020603050405020304" pitchFamily="18" charset="0"/>
+                <a:ea typeface="Roboto"/>
+                <a:cs typeface="Times New Roman" panose="02020603050405020304" pitchFamily="18" charset="0"/>
+                <a:sym typeface="Roboto"/>
+              </a:rPr>
+              <a:t> </a:t>
+            </a:r>
+            <a:r>
+              <a:rPr lang="en-US" sz="1400" dirty="0">
+                <a:solidFill>
+                  <a:schemeClr val="tx1"/>
+                </a:solidFill>
+                <a:latin typeface="Times New Roman" panose="02020603050405020304" pitchFamily="18" charset="0"/>
+                <a:ea typeface="Roboto"/>
+                <a:cs typeface="Times New Roman" panose="02020603050405020304" pitchFamily="18" charset="0"/>
+                <a:sym typeface="Roboto"/>
+              </a:rPr>
+              <a:t>is licensed under</a:t>
+            </a:r>
+            <a:r>
+              <a:rPr lang="en-US" sz="1400" dirty="0">
+                <a:latin typeface="Times New Roman" panose="02020603050405020304" pitchFamily="18" charset="0"/>
+                <a:ea typeface="Roboto"/>
+                <a:cs typeface="Times New Roman" panose="02020603050405020304" pitchFamily="18" charset="0"/>
+                <a:sym typeface="Roboto"/>
+              </a:rPr>
+              <a:t> </a:t>
+            </a:r>
+            <a:r>
+              <a:rPr lang="en-US" sz="1400" dirty="0">
+                <a:latin typeface="Times New Roman" panose="02020603050405020304" pitchFamily="18" charset="0"/>
+                <a:cs typeface="Times New Roman" panose="02020603050405020304" pitchFamily="18" charset="0"/>
+                <a:hlinkClick r:id="rId9"/>
+              </a:rPr>
+              <a:t>CC-BY-SA-3.0</a:t>
+            </a:r>
+            <a:endParaRPr lang="en-US" sz="1400" dirty="0">
+              <a:latin typeface="Times New Roman" panose="02020603050405020304" pitchFamily="18" charset="0"/>
+              <a:ea typeface="Roboto"/>
+              <a:cs typeface="Times New Roman" panose="02020603050405020304" pitchFamily="18" charset="0"/>
+              <a:sym typeface="Roboto"/>
+            </a:endParaRPr>
+          </a:p>
+        </p:txBody>
+      </p:sp>
     </p:spTree>
   </p:cSld>
   <p:clrMapOvr>
@@ -26259,7 +26433,7 @@
               <a:buChar char="•"/>
             </a:pPr>
             <a:r>
-              <a:rPr lang="en-US" sz="2100" b="0" i="0" u="none" strike="noStrike" cap="none">
+              <a:rPr lang="en-US" sz="2100" b="0" i="0" u="none" strike="noStrike" cap="none" dirty="0">
                 <a:solidFill>
                   <a:schemeClr val="dk1"/>
                 </a:solidFill>
@@ -26270,7 +26444,7 @@
               </a:rPr>
               <a:t>A GPU is tailored for highly parallel operation while a CPU executes programs serially</a:t>
             </a:r>
-            <a:endParaRPr sz="1100">
+            <a:endParaRPr sz="1100" dirty="0">
               <a:latin typeface="Times New Roman"/>
               <a:ea typeface="Times New Roman"/>
               <a:cs typeface="Times New Roman"/>
@@ -26295,7 +26469,7 @@
               <a:buFont typeface="Arial"/>
               <a:buNone/>
             </a:pPr>
-            <a:endParaRPr sz="2100" b="0" i="0" u="none" strike="noStrike" cap="none">
+            <a:endParaRPr sz="2100" b="0" i="0" u="none" strike="noStrike" cap="none" dirty="0">
               <a:solidFill>
                 <a:schemeClr val="dk1"/>
               </a:solidFill>
@@ -26324,7 +26498,7 @@
               <a:buChar char="•"/>
             </a:pPr>
             <a:r>
-              <a:rPr lang="en-US" sz="2100" b="0" i="0" u="none" strike="noStrike" cap="none">
+              <a:rPr lang="en-US" sz="2100" b="0" i="0" u="none" strike="noStrike" cap="none" dirty="0">
                 <a:solidFill>
                   <a:schemeClr val="dk1"/>
                 </a:solidFill>
@@ -26336,7 +26510,7 @@
               <a:t>For this reason, GPUs have many parallel execution units and higher transistor counts, while CPUs have few execution units and higher </a:t>
             </a:r>
             <a:r>
-              <a:rPr lang="en-US" sz="2100">
+              <a:rPr lang="en-US" sz="2100" dirty="0">
                 <a:solidFill>
                   <a:schemeClr val="dk1"/>
                 </a:solidFill>
@@ -26347,7 +26521,7 @@
               </a:rPr>
               <a:t>clock speeds</a:t>
             </a:r>
-            <a:endParaRPr sz="2100" b="0" i="0" u="none" strike="noStrike" cap="none">
+            <a:endParaRPr sz="2100" b="0" i="0" u="none" strike="noStrike" cap="none" dirty="0">
               <a:solidFill>
                 <a:schemeClr val="dk1"/>
               </a:solidFill>
@@ -26375,7 +26549,7 @@
               <a:buFont typeface="Arial"/>
               <a:buNone/>
             </a:pPr>
-            <a:endParaRPr sz="1700" b="0" i="0" u="none" strike="noStrike" cap="none">
+            <a:endParaRPr sz="1700" b="0" i="0" u="none" strike="noStrike" cap="none" dirty="0">
               <a:solidFill>
                 <a:schemeClr val="dk1"/>
               </a:solidFill>
@@ -26404,7 +26578,7 @@
               <a:buChar char="•"/>
             </a:pPr>
             <a:r>
-              <a:rPr lang="en-US" sz="2100" b="0" i="0" u="none" strike="noStrike" cap="none">
+              <a:rPr lang="en-US" sz="2100" b="0" i="0" u="none" strike="noStrike" cap="none" dirty="0">
                 <a:solidFill>
                   <a:schemeClr val="dk1"/>
                 </a:solidFill>
@@ -26415,7 +26589,7 @@
               </a:rPr>
               <a:t>GPUs have significantly faster and more advanced memory interfaces as they need to shift around a lot more data than CPUs</a:t>
             </a:r>
-            <a:endParaRPr sz="1100">
+            <a:endParaRPr sz="1100" dirty="0">
               <a:latin typeface="Times New Roman"/>
               <a:ea typeface="Times New Roman"/>
               <a:cs typeface="Times New Roman"/>
@@ -26441,7 +26615,7 @@
               <a:buChar char="–"/>
             </a:pPr>
             <a:r>
-              <a:rPr lang="en-US" sz="1700" b="0" i="0" u="none" strike="noStrike" cap="none">
+              <a:rPr lang="en-US" sz="1700" b="0" i="0" u="none" strike="noStrike" cap="none" dirty="0">
                 <a:solidFill>
                   <a:schemeClr val="dk1"/>
                 </a:solidFill>
@@ -26452,7 +26626,7 @@
               </a:rPr>
               <a:t>High bandwidth: NVIDIA Volta (2016) with 1TB/s</a:t>
             </a:r>
-            <a:endParaRPr sz="1100">
+            <a:endParaRPr sz="1100" dirty="0">
               <a:latin typeface="Times New Roman"/>
               <a:ea typeface="Times New Roman"/>
               <a:cs typeface="Times New Roman"/>
@@ -26478,7 +26652,7 @@
               <a:buChar char="–"/>
             </a:pPr>
             <a:r>
-              <a:rPr lang="en-US" sz="1700" b="0" i="0" u="none" strike="noStrike" cap="none">
+              <a:rPr lang="en-US" sz="1700" b="0" i="0" u="none" strike="noStrike" cap="none" dirty="0">
                 <a:solidFill>
                   <a:schemeClr val="dk1"/>
                 </a:solidFill>
@@ -26489,7 +26663,7 @@
               </a:rPr>
               <a:t>Nvidia Titan: 288GB/s</a:t>
             </a:r>
-            <a:endParaRPr sz="1100">
+            <a:endParaRPr sz="1100" dirty="0">
               <a:latin typeface="Times New Roman"/>
               <a:ea typeface="Times New Roman"/>
               <a:cs typeface="Times New Roman"/>
@@ -26514,7 +26688,7 @@
               <a:buFont typeface="Arial"/>
               <a:buNone/>
             </a:pPr>
-            <a:endParaRPr sz="2100" b="0" i="0" u="none" strike="noStrike" cap="none">
+            <a:endParaRPr sz="2100" b="0" i="0" u="none" strike="noStrike" cap="none" dirty="0">
               <a:solidFill>
                 <a:schemeClr val="dk1"/>
               </a:solidFill>
@@ -26541,7 +26715,7 @@
               <a:buFont typeface="Arial"/>
               <a:buNone/>
             </a:pPr>
-            <a:endParaRPr sz="2100" b="0" i="0" u="none" strike="noStrike" cap="none">
+            <a:endParaRPr sz="2100" b="0" i="0" u="none" strike="noStrike" cap="none" dirty="0">
               <a:solidFill>
                 <a:schemeClr val="dk1"/>
               </a:solidFill>
